--- a/Files/Poster - Projektgrundlag.pptx
+++ b/Files/Poster - Projektgrundlag.pptx
@@ -159,7 +159,7 @@
 <file path=ppt/revisionInfo.xml><?xml version="1.0" encoding="utf-8"?>
 <p1510:revInfo xmlns:a="http://schemas.openxmlformats.org/drawingml/2006/main" xmlns:r="http://schemas.openxmlformats.org/officeDocument/2006/relationships" xmlns:p1510="http://schemas.microsoft.com/office/powerpoint/2015/10/main">
   <p1510:revLst>
-    <p1510:client id="{E8901BAB-3C73-442E-B259-1D5BA63EBE25}" v="77" dt="2019-10-08T10:08:20.273"/>
+    <p1510:client id="{83DB669E-0BFA-43AC-A42E-B405F69215A4}" v="72" dt="2019-10-10T10:38:34.152"/>
   </p1510:revLst>
 </p1510:revInfo>
 </file>
@@ -462,6 +462,86 @@
       </pc:sldChg>
     </pc:docChg>
   </pc:docChgLst>
+  <pc:docChgLst>
+    <pc:chgData name="Markus Munk" userId="81ec3c8b9f904e40" providerId="LiveId" clId="{83DB669E-0BFA-43AC-A42E-B405F69215A4}"/>
+    <pc:docChg chg="undo custSel modSld">
+      <pc:chgData name="Markus Munk" userId="81ec3c8b9f904e40" providerId="LiveId" clId="{83DB669E-0BFA-43AC-A42E-B405F69215A4}" dt="2019-10-10T10:38:34.148" v="483" actId="1036"/>
+      <pc:docMkLst>
+        <pc:docMk/>
+      </pc:docMkLst>
+      <pc:sldChg chg="addSp modSp">
+        <pc:chgData name="Markus Munk" userId="81ec3c8b9f904e40" providerId="LiveId" clId="{83DB669E-0BFA-43AC-A42E-B405F69215A4}" dt="2019-10-10T10:38:34.148" v="483" actId="1036"/>
+        <pc:sldMkLst>
+          <pc:docMk/>
+          <pc:sldMk cId="1759635540" sldId="259"/>
+        </pc:sldMkLst>
+        <pc:spChg chg="mod">
+          <ac:chgData name="Markus Munk" userId="81ec3c8b9f904e40" providerId="LiveId" clId="{83DB669E-0BFA-43AC-A42E-B405F69215A4}" dt="2019-10-10T10:31:05.336" v="369" actId="20577"/>
+          <ac:spMkLst>
+            <pc:docMk/>
+            <pc:sldMk cId="1759635540" sldId="259"/>
+            <ac:spMk id="2" creationId="{00000000-0000-0000-0000-000000000000}"/>
+          </ac:spMkLst>
+        </pc:spChg>
+        <pc:spChg chg="mod">
+          <ac:chgData name="Markus Munk" userId="81ec3c8b9f904e40" providerId="LiveId" clId="{83DB669E-0BFA-43AC-A42E-B405F69215A4}" dt="2019-10-10T10:23:12.334" v="314" actId="1076"/>
+          <ac:spMkLst>
+            <pc:docMk/>
+            <pc:sldMk cId="1759635540" sldId="259"/>
+            <ac:spMk id="10" creationId="{00000000-0000-0000-0000-000000000000}"/>
+          </ac:spMkLst>
+        </pc:spChg>
+        <pc:spChg chg="mod">
+          <ac:chgData name="Markus Munk" userId="81ec3c8b9f904e40" providerId="LiveId" clId="{83DB669E-0BFA-43AC-A42E-B405F69215A4}" dt="2019-10-10T10:15:38.749" v="37" actId="20577"/>
+          <ac:spMkLst>
+            <pc:docMk/>
+            <pc:sldMk cId="1759635540" sldId="259"/>
+            <ac:spMk id="14" creationId="{00000000-0000-0000-0000-000000000000}"/>
+          </ac:spMkLst>
+        </pc:spChg>
+        <pc:spChg chg="mod">
+          <ac:chgData name="Markus Munk" userId="81ec3c8b9f904e40" providerId="LiveId" clId="{83DB669E-0BFA-43AC-A42E-B405F69215A4}" dt="2019-10-10T10:23:17.122" v="331" actId="1035"/>
+          <ac:spMkLst>
+            <pc:docMk/>
+            <pc:sldMk cId="1759635540" sldId="259"/>
+            <ac:spMk id="15" creationId="{00000000-0000-0000-0000-000000000000}"/>
+          </ac:spMkLst>
+        </pc:spChg>
+        <pc:spChg chg="mod">
+          <ac:chgData name="Markus Munk" userId="81ec3c8b9f904e40" providerId="LiveId" clId="{83DB669E-0BFA-43AC-A42E-B405F69215A4}" dt="2019-10-10T10:37:31.956" v="444" actId="27636"/>
+          <ac:spMkLst>
+            <pc:docMk/>
+            <pc:sldMk cId="1759635540" sldId="259"/>
+            <ac:spMk id="24" creationId="{00000000-0000-0000-0000-000000000000}"/>
+          </ac:spMkLst>
+        </pc:spChg>
+        <pc:spChg chg="mod">
+          <ac:chgData name="Markus Munk" userId="81ec3c8b9f904e40" providerId="LiveId" clId="{83DB669E-0BFA-43AC-A42E-B405F69215A4}" dt="2019-10-10T10:25:38.829" v="347" actId="20577"/>
+          <ac:spMkLst>
+            <pc:docMk/>
+            <pc:sldMk cId="1759635540" sldId="259"/>
+            <ac:spMk id="34" creationId="{FC10DE74-F53F-479E-8AFF-1C635C3C9975}"/>
+          </ac:spMkLst>
+        </pc:spChg>
+        <pc:picChg chg="add mod">
+          <ac:chgData name="Markus Munk" userId="81ec3c8b9f904e40" providerId="LiveId" clId="{83DB669E-0BFA-43AC-A42E-B405F69215A4}" dt="2019-10-10T10:38:34.148" v="483" actId="1036"/>
+          <ac:picMkLst>
+            <pc:docMk/>
+            <pc:sldMk cId="1759635540" sldId="259"/>
+            <ac:picMk id="35" creationId="{7CB1BEB6-7D41-440A-B269-43C5F746A634}"/>
+          </ac:picMkLst>
+        </pc:picChg>
+        <pc:picChg chg="mod">
+          <ac:chgData name="Markus Munk" userId="81ec3c8b9f904e40" providerId="LiveId" clId="{83DB669E-0BFA-43AC-A42E-B405F69215A4}" dt="2019-10-10T10:38:28.048" v="469" actId="1035"/>
+          <ac:picMkLst>
+            <pc:docMk/>
+            <pc:sldMk cId="1759635540" sldId="259"/>
+            <ac:picMk id="1028" creationId="{00000000-0000-0000-0000-000000000000}"/>
+          </ac:picMkLst>
+        </pc:picChg>
+      </pc:sldChg>
+    </pc:docChg>
+  </pc:docChgLst>
 </pc:chgInfo>
 </file>
 
@@ -547,7 +627,7 @@
           <a:p>
             <a:fld id="{F1C0B079-A316-4C9B-B165-DF9EA8325D2C}" type="datetimeFigureOut">
               <a:rPr lang="da-DK" smtClean="0"/>
-              <a:t>08-10-2019</a:t>
+              <a:t>10-10-2019</a:t>
             </a:fld>
             <a:endParaRPr lang="da-DK"/>
           </a:p>
@@ -711,7 +791,7 @@
           </a:lstStyle>
           <a:p>
             <a:fld id="{38F28AB8-57D1-494F-9851-055AD867E790}" type="datetimeFigureOut">
-              <a:t>08-10-2019</a:t>
+              <a:t>10-10-2019</a:t>
             </a:fld>
             <a:endParaRPr lang="da-DK"/>
           </a:p>
@@ -12681,7 +12761,7 @@
             <a:fld id="{ECAA57DF-1C19-4726-AB84-014692BAD8F5}" type="datetimeFigureOut">
               <a:rPr lang="da-DK" noProof="0" smtClean="0"/>
               <a:pPr/>
-              <a:t>08-10-2019</a:t>
+              <a:t>10-10-2019</a:t>
             </a:fld>
             <a:endParaRPr lang="da-DK" noProof="0" dirty="0"/>
           </a:p>
@@ -13403,7 +13483,7 @@
             <a:fld id="{ECAA57DF-1C19-4726-AB84-014692BAD8F5}" type="datetimeFigureOut">
               <a:rPr lang="da-DK" noProof="0" smtClean="0"/>
               <a:pPr/>
-              <a:t>08-10-2019</a:t>
+              <a:t>10-10-2019</a:t>
             </a:fld>
             <a:endParaRPr lang="da-DK" noProof="0" dirty="0"/>
           </a:p>
@@ -14125,7 +14205,7 @@
             <a:fld id="{ECAA57DF-1C19-4726-AB84-014692BAD8F5}" type="datetimeFigureOut">
               <a:rPr lang="da-DK" noProof="0" smtClean="0"/>
               <a:pPr/>
-              <a:t>08-10-2019</a:t>
+              <a:t>10-10-2019</a:t>
             </a:fld>
             <a:endParaRPr lang="da-DK" noProof="0" dirty="0"/>
           </a:p>
@@ -14847,7 +14927,7 @@
             <a:fld id="{ECAA57DF-1C19-4726-AB84-014692BAD8F5}" type="datetimeFigureOut">
               <a:rPr lang="da-DK" noProof="0" smtClean="0"/>
               <a:pPr/>
-              <a:t>08-10-2019</a:t>
+              <a:t>10-10-2019</a:t>
             </a:fld>
             <a:endParaRPr lang="da-DK" noProof="0" dirty="0"/>
           </a:p>
@@ -15405,7 +15485,7 @@
           <a:p>
             <a:r>
               <a:rPr lang="da-DK" dirty="0"/>
-              <a:t>Gruppe 7; Christopher, Markus, Nichlas, Anders og Teis</a:t>
+              <a:t>Gruppe 7; Christopher, Markus, Nichlas, Anders, Sarah og Teis</a:t>
             </a:r>
           </a:p>
         </p:txBody>
@@ -15593,7 +15673,7 @@
         </p:nvSpPr>
         <p:spPr>
           <a:xfrm>
-            <a:off x="29244954" y="12119495"/>
+            <a:off x="29244954" y="11715176"/>
             <a:ext cx="12486746" cy="1121304"/>
           </a:xfrm>
         </p:spPr>
@@ -15714,7 +15794,7 @@
             <a:pPr algn="ctr"/>
             <a:r>
               <a:rPr lang="da-DK" sz="3600" b="1" i="1" dirty="0"/>
-              <a:t>Hvordan kan vi forbedre vidensniveauet indenfor kampen imod sygdommene; hepatitis, tuberkulose, AIDS og malaria, som hvert år dræber millioner af mennesker i udviklingslande ved hjælp af et computerspil?</a:t>
+              <a:t>Hvordan kan vi forbedre vidensniveauet indenfor kampen imod sygdommene; hepatitis, tuberkulose, AIDS og malaria, som hvert år dræber millioner af mennesker i særligt udsatte områder ved hjælp af et computerspil?</a:t>
             </a:r>
           </a:p>
           <a:p>
@@ -15740,7 +15820,7 @@
         </p:nvSpPr>
         <p:spPr>
           <a:xfrm>
-            <a:off x="29210043" y="13397351"/>
+            <a:off x="29210043" y="12730601"/>
             <a:ext cx="12486746" cy="8254866"/>
           </a:xfrm>
         </p:spPr>
@@ -15783,7 +15863,7 @@
           <a:p>
             <a:r>
               <a:rPr lang="da-DK" sz="2400" dirty="0"/>
-              <a:t>Afslutningsvis testes om spillet, som produkt hæver vidensniveauet hos brugerne, ved at  foretage empiriske tests. Ligeledes udnyttes at programmet testes af eksterne brugere til at finde ud af om det virker hensigtsmæssigt.  </a:t>
+              <a:t>Afslutningsvis testes om spillet, som produkt hæver vidensniveauet hos brugerne, ved at  foretage empiriske tests. Ligeledes udnyttes at programmet testes af eksterne brugere til at finde ud af om det virker hensigtsmæssigt. Målgruppen af brugerne er børn og unge i Danmark, med forhåbninger om at folk i de særligt udsatte områder kan engageres på samme måde, og spillet ligeledes kan være brugbart i disse regioner.</a:t>
             </a:r>
           </a:p>
         </p:txBody>
@@ -16027,27 +16107,45 @@
             <p:ph type="title"/>
           </p:nvPr>
         </p:nvSpPr>
-        <p:spPr/>
+        <p:spPr>
+          <a:xfrm>
+            <a:off x="1160218" y="1551540"/>
+            <a:ext cx="30324954" cy="2445308"/>
+          </a:xfrm>
+        </p:spPr>
         <p:txBody>
-          <a:bodyPr/>
+          <a:bodyPr>
+            <a:normAutofit fontScale="90000"/>
+          </a:bodyPr>
           <a:lstStyle/>
           <a:p>
             <a:r>
               <a:rPr lang="da-DK" dirty="0" err="1"/>
-              <a:t>Medicine</a:t>
+              <a:t>Kill</a:t>
             </a:r>
             <a:r>
               <a:rPr lang="da-DK" dirty="0"/>
-              <a:t>(</a:t>
+              <a:t> The </a:t>
             </a:r>
             <a:r>
               <a:rPr lang="da-DK" dirty="0" err="1"/>
-              <a:t>Wo</a:t>
+              <a:t>Killers</a:t>
             </a:r>
             <a:r>
               <a:rPr lang="da-DK" dirty="0"/>
-              <a:t>)Man</a:t>
-            </a:r>
+              <a:t> </a:t>
+            </a:r>
+            <a:br>
+              <a:rPr lang="da-DK" dirty="0"/>
+            </a:br>
+            <a:r>
+              <a:rPr lang="da-DK" b="0" dirty="0"/>
+              <a:t>🦟 💉 🍆 🧤</a:t>
+            </a:r>
+            <a:br>
+              <a:rPr lang="da-DK" dirty="0"/>
+            </a:br>
+            <a:endParaRPr lang="da-DK" dirty="0"/>
           </a:p>
         </p:txBody>
       </p:sp>
@@ -16844,13 +16942,13 @@
               </a:ext>
             </a:extLst>
           </a:blip>
-          <a:srcRect l="3843" t="5475" r="5134" b="6240"/>
+          <a:srcRect l="3843" t="33634" r="5134" b="6240"/>
           <a:stretch/>
         </p:blipFill>
         <p:spPr bwMode="auto">
           <a:xfrm>
-            <a:off x="13983970" y="-7679"/>
-            <a:ext cx="4724400" cy="4582312"/>
+            <a:off x="15842428" y="805809"/>
+            <a:ext cx="4724400" cy="3120753"/>
           </a:xfrm>
           <a:prstGeom prst="rect">
             <a:avLst/>
@@ -17356,7 +17454,7 @@
                 <a:latin typeface="Arial" panose="020B0604020202020204" pitchFamily="34" charset="0"/>
                 <a:cs typeface="Arial" panose="020B0604020202020204" pitchFamily="34" charset="0"/>
               </a:rPr>
-              <a:t>Nogle årsager til at disse sygdomme stadig er at finde i mindre udviklede lande, er </a:t>
+              <a:t>Nogle årsager til at disse sygdomme stadig er at finde i særligt udsatte lande, er </a:t>
             </a:r>
             <a:r>
               <a:rPr lang="da-DK" sz="2400" dirty="0" err="1">
@@ -17384,6 +17482,51 @@
           </a:p>
         </p:txBody>
       </p:sp>
+      <p:pic>
+        <p:nvPicPr>
+          <p:cNvPr id="35" name="Picture 4" descr="https://scontent-arn2-1.xx.fbcdn.net/v/t1.15752-9/72390896_431101910871949_4285249782168944640_n.jpg?_nc_cat=105&amp;_nc_oc=AQk_-pvvz20L_oWzc94kk2T6rnPmGPabDL0-grNR2DzTbJ5Ckt3eDZ8jf76HLaOOIOU&amp;_nc_ht=scontent-arn2-1.xx&amp;oh=e087845499a036c5332b8cab8241fa61&amp;oe=5DF32336">
+            <a:extLst>
+              <a:ext uri="{FF2B5EF4-FFF2-40B4-BE49-F238E27FC236}">
+                <a16:creationId xmlns:a16="http://schemas.microsoft.com/office/drawing/2014/main" id="{7CB1BEB6-7D41-440A-B269-43C5F746A634}"/>
+              </a:ext>
+            </a:extLst>
+          </p:cNvPr>
+          <p:cNvPicPr>
+            <a:picLocks noChangeAspect="1" noChangeArrowheads="1"/>
+          </p:cNvPicPr>
+          <p:nvPr/>
+        </p:nvPicPr>
+        <p:blipFill rotWithShape="1">
+          <a:blip r:embed="rId3">
+            <a:extLst>
+              <a:ext uri="{28A0092B-C50C-407E-A947-70E740481C1C}">
+                <a14:useLocalDpi xmlns:a14="http://schemas.microsoft.com/office/drawing/2010/main" val="0"/>
+              </a:ext>
+            </a:extLst>
+          </a:blip>
+          <a:srcRect l="3843" t="5475" r="5134" b="63865"/>
+          <a:stretch/>
+        </p:blipFill>
+        <p:spPr bwMode="auto">
+          <a:xfrm>
+            <a:off x="20566828" y="1764323"/>
+            <a:ext cx="4724400" cy="1591366"/>
+          </a:xfrm>
+          <a:prstGeom prst="rect">
+            <a:avLst/>
+          </a:prstGeom>
+          <a:noFill/>
+          <a:extLst>
+            <a:ext uri="{909E8E84-426E-40DD-AFC4-6F175D3DCCD1}">
+              <a14:hiddenFill xmlns:a14="http://schemas.microsoft.com/office/drawing/2010/main">
+                <a:solidFill>
+                  <a:srgbClr val="FFFFFF"/>
+                </a:solidFill>
+              </a14:hiddenFill>
+            </a:ext>
+          </a:extLst>
+        </p:spPr>
+      </p:pic>
     </p:spTree>
     <p:extLst>
       <p:ext uri="{BB962C8B-B14F-4D97-AF65-F5344CB8AC3E}">
@@ -19248,21 +19391,6 @@
 </file>
 
 <file path=customXml/item1.xml><?xml version="1.0" encoding="utf-8"?>
-<p:properties xmlns:p="http://schemas.microsoft.com/office/2006/metadata/properties" xmlns:xsi="http://www.w3.org/2001/XMLSchema-instance" xmlns:pc="http://schemas.microsoft.com/office/infopath/2007/PartnerControls">
-  <documentManagement/>
-</p:properties>
-</file>
-
-<file path=customXml/item2.xml><?xml version="1.0" encoding="utf-8"?>
-<?mso-contentType ?>
-<FormTemplates xmlns="http://schemas.microsoft.com/sharepoint/v3/contenttype/forms">
-  <Display>DocumentLibraryForm</Display>
-  <Edit>DocumentLibraryForm</Edit>
-  <New>DocumentLibraryForm</New>
-</FormTemplates>
-</file>
-
-<file path=customXml/item3.xml><?xml version="1.0" encoding="utf-8"?>
 <ct:contentTypeSchema xmlns:ct="http://schemas.microsoft.com/office/2006/metadata/contentType" xmlns:ma="http://schemas.microsoft.com/office/2006/metadata/properties/metaAttributes" ct:_="" ma:_="" ma:contentTypeName="Dokument" ma:contentTypeID="0x010100705BEAF5D872DA499823F797437E7341" ma:contentTypeVersion="11" ma:contentTypeDescription="Opret et nyt dokument." ma:contentTypeScope="" ma:versionID="5b73fa5b6c98d35d5010583208db5e3d">
   <xsd:schema xmlns:xsd="http://www.w3.org/2001/XMLSchema" xmlns:xs="http://www.w3.org/2001/XMLSchema" xmlns:p="http://schemas.microsoft.com/office/2006/metadata/properties" xmlns:ns3="c6bc709f-863b-49b4-8d11-9df04d7d8c8d" xmlns:ns4="c6cdbaf4-18b0-44f6-b873-cf97097531c9" targetNamespace="http://schemas.microsoft.com/office/2006/metadata/properties" ma:root="true" ma:fieldsID="0f876c6c951b769f902df5666974d9fc" ns3:_="" ns4:_="">
     <xsd:import namespace="c6bc709f-863b-49b4-8d11-9df04d7d8c8d"/>
@@ -19471,24 +19599,22 @@
 </ct:contentTypeSchema>
 </file>
 
-<file path=customXml/itemProps1.xml><?xml version="1.0" encoding="utf-8"?>
-<ds:datastoreItem xmlns:ds="http://schemas.openxmlformats.org/officeDocument/2006/customXml" ds:itemID="{1E4AACF7-51B1-41A0-AAF9-D883E2E86D45}">
-  <ds:schemaRefs>
-    <ds:schemaRef ds:uri="http://schemas.microsoft.com/office/2006/metadata/properties"/>
-    <ds:schemaRef ds:uri="http://schemas.microsoft.com/office/infopath/2007/PartnerControls"/>
-  </ds:schemaRefs>
-</ds:datastoreItem>
+<file path=customXml/item2.xml><?xml version="1.0" encoding="utf-8"?>
+<?mso-contentType ?>
+<FormTemplates xmlns="http://schemas.microsoft.com/sharepoint/v3/contenttype/forms">
+  <Display>DocumentLibraryForm</Display>
+  <Edit>DocumentLibraryForm</Edit>
+  <New>DocumentLibraryForm</New>
+</FormTemplates>
 </file>
 
-<file path=customXml/itemProps2.xml><?xml version="1.0" encoding="utf-8"?>
-<ds:datastoreItem xmlns:ds="http://schemas.openxmlformats.org/officeDocument/2006/customXml" ds:itemID="{CDCE3ED8-2D07-4BA2-9005-4F3ED3D7E6E9}">
-  <ds:schemaRefs>
-    <ds:schemaRef ds:uri="http://schemas.microsoft.com/sharepoint/v3/contenttype/forms"/>
-  </ds:schemaRefs>
-</ds:datastoreItem>
+<file path=customXml/item3.xml><?xml version="1.0" encoding="utf-8"?>
+<p:properties xmlns:p="http://schemas.microsoft.com/office/2006/metadata/properties" xmlns:xsi="http://www.w3.org/2001/XMLSchema-instance" xmlns:pc="http://schemas.microsoft.com/office/infopath/2007/PartnerControls">
+  <documentManagement/>
+</p:properties>
 </file>
 
-<file path=customXml/itemProps3.xml><?xml version="1.0" encoding="utf-8"?>
+<file path=customXml/itemProps1.xml><?xml version="1.0" encoding="utf-8"?>
 <ds:datastoreItem xmlns:ds="http://schemas.openxmlformats.org/officeDocument/2006/customXml" ds:itemID="{561C6F91-99F1-44F1-B641-38E1B491A886}">
   <ds:schemaRefs>
     <ds:schemaRef ds:uri="http://schemas.microsoft.com/office/2006/metadata/contentType"/>
@@ -19505,4 +19631,21 @@
     <ds:schemaRef ds:uri="http://schemas.microsoft.com/internal/obd"/>
   </ds:schemaRefs>
 </ds:datastoreItem>
+</file>
+
+<file path=customXml/itemProps2.xml><?xml version="1.0" encoding="utf-8"?>
+<ds:datastoreItem xmlns:ds="http://schemas.openxmlformats.org/officeDocument/2006/customXml" ds:itemID="{CDCE3ED8-2D07-4BA2-9005-4F3ED3D7E6E9}">
+  <ds:schemaRefs>
+    <ds:schemaRef ds:uri="http://schemas.microsoft.com/sharepoint/v3/contenttype/forms"/>
+  </ds:schemaRefs>
+</ds:datastoreItem>
+</file>
+
+<file path=customXml/itemProps3.xml><?xml version="1.0" encoding="utf-8"?>
+<ds:datastoreItem xmlns:ds="http://schemas.openxmlformats.org/officeDocument/2006/customXml" ds:itemID="{1E4AACF7-51B1-41A0-AAF9-D883E2E86D45}">
+  <ds:schemaRefs>
+    <ds:schemaRef ds:uri="http://schemas.microsoft.com/office/2006/metadata/properties"/>
+    <ds:schemaRef ds:uri="http://schemas.microsoft.com/office/infopath/2007/PartnerControls"/>
+  </ds:schemaRefs>
+</ds:datastoreItem>
 </file>